--- a/Защита/DBrowser.pptx
+++ b/Защита/DBrowser.pptx
@@ -15,7 +15,8 @@
     <p:sldId id="262" r:id="rId9"/>
     <p:sldId id="263" r:id="rId10"/>
     <p:sldId id="264" r:id="rId11"/>
-    <p:sldId id="265" r:id="rId12"/>
+    <p:sldId id="267" r:id="rId12"/>
+    <p:sldId id="265" r:id="rId13"/>
   </p:sldIdLst>
   <p:sldSz cx="12192000" cy="6858000"/>
   <p:notesSz cx="6858000" cy="9144000"/>
@@ -3523,7 +3524,73 @@
           <p:cNvPr id="3" name="Рисунок 2">
             <a:extLst>
               <a:ext uri="{FF2B5EF4-FFF2-40B4-BE49-F238E27FC236}">
-                <a16:creationId xmlns:a16="http://schemas.microsoft.com/office/drawing/2014/main" id="{CF0465A3-7119-445F-AC54-BD15187AC1BA}"/>
+                <a16:creationId xmlns:a16="http://schemas.microsoft.com/office/drawing/2014/main" id="{D63C45C4-FE5F-4034-A7A7-77D577F5DBC3}"/>
+              </a:ext>
+            </a:extLst>
+          </p:cNvPr>
+          <p:cNvPicPr>
+            <a:picLocks noChangeAspect="1"/>
+          </p:cNvPicPr>
+          <p:nvPr/>
+        </p:nvPicPr>
+        <p:blipFill>
+          <a:blip r:embed="rId2">
+            <a:extLst>
+              <a:ext uri="{28A0092B-C50C-407E-A947-70E740481C1C}">
+                <a14:useLocalDpi xmlns:a14="http://schemas.microsoft.com/office/drawing/2010/main" val="0"/>
+              </a:ext>
+            </a:extLst>
+          </a:blip>
+          <a:stretch>
+            <a:fillRect/>
+          </a:stretch>
+        </p:blipFill>
+        <p:spPr>
+          <a:xfrm>
+            <a:off x="0" y="0"/>
+            <a:ext cx="12192000" cy="6858000"/>
+          </a:xfrm>
+          <a:prstGeom prst="rect">
+            <a:avLst/>
+          </a:prstGeom>
+        </p:spPr>
+      </p:pic>
+    </p:spTree>
+    <p:extLst>
+      <p:ext uri="{BB962C8B-B14F-4D97-AF65-F5344CB8AC3E}">
+        <p14:creationId xmlns:p14="http://schemas.microsoft.com/office/powerpoint/2010/main" val="1607085180"/>
+      </p:ext>
+    </p:extLst>
+  </p:cSld>
+  <p:clrMapOvr>
+    <a:masterClrMapping/>
+  </p:clrMapOvr>
+</p:sld>
+</file>
+
+<file path=ppt/slides/slide12.xml><?xml version="1.0" encoding="utf-8"?>
+<p:sld xmlns:a="http://schemas.openxmlformats.org/drawingml/2006/main" xmlns:r="http://schemas.openxmlformats.org/officeDocument/2006/relationships" xmlns:p="http://schemas.openxmlformats.org/presentationml/2006/main">
+  <p:cSld>
+    <p:spTree>
+      <p:nvGrpSpPr>
+        <p:cNvPr id="1" name=""/>
+        <p:cNvGrpSpPr/>
+        <p:nvPr/>
+      </p:nvGrpSpPr>
+      <p:grpSpPr>
+        <a:xfrm>
+          <a:off x="0" y="0"/>
+          <a:ext cx="0" cy="0"/>
+          <a:chOff x="0" y="0"/>
+          <a:chExt cx="0" cy="0"/>
+        </a:xfrm>
+      </p:grpSpPr>
+      <p:pic>
+        <p:nvPicPr>
+          <p:cNvPr id="4" name="Рисунок 3">
+            <a:extLst>
+              <a:ext uri="{FF2B5EF4-FFF2-40B4-BE49-F238E27FC236}">
+                <a16:creationId xmlns:a16="http://schemas.microsoft.com/office/drawing/2014/main" id="{B5F49CE5-E2A8-428B-B310-0C42B412968F}"/>
               </a:ext>
             </a:extLst>
           </p:cNvPr>
@@ -3652,10 +3719,10 @@
       </p:grpSpPr>
       <p:pic>
         <p:nvPicPr>
-          <p:cNvPr id="3" name="Рисунок 2">
-            <a:extLst>
-              <a:ext uri="{FF2B5EF4-FFF2-40B4-BE49-F238E27FC236}">
-                <a16:creationId xmlns:a16="http://schemas.microsoft.com/office/drawing/2014/main" id="{791A071F-ED22-41D3-8192-9C20C9EA9779}"/>
+          <p:cNvPr id="4" name="Рисунок 3">
+            <a:extLst>
+              <a:ext uri="{FF2B5EF4-FFF2-40B4-BE49-F238E27FC236}">
+                <a16:creationId xmlns:a16="http://schemas.microsoft.com/office/drawing/2014/main" id="{C6944513-EBA1-4AEF-AA18-53D1F29DC738}"/>
               </a:ext>
             </a:extLst>
           </p:cNvPr>
@@ -3784,10 +3851,10 @@
       </p:grpSpPr>
       <p:pic>
         <p:nvPicPr>
-          <p:cNvPr id="3" name="Рисунок 2">
-            <a:extLst>
-              <a:ext uri="{FF2B5EF4-FFF2-40B4-BE49-F238E27FC236}">
-                <a16:creationId xmlns:a16="http://schemas.microsoft.com/office/drawing/2014/main" id="{D803D0B2-E3CA-470D-9290-2B8E91D19595}"/>
+          <p:cNvPr id="5" name="Рисунок 4">
+            <a:extLst>
+              <a:ext uri="{FF2B5EF4-FFF2-40B4-BE49-F238E27FC236}">
+                <a16:creationId xmlns:a16="http://schemas.microsoft.com/office/drawing/2014/main" id="{52CD70EA-5606-4DCC-816D-ED4A2C19A764}"/>
               </a:ext>
             </a:extLst>
           </p:cNvPr>
@@ -3798,166 +3865,6 @@
         </p:nvPicPr>
         <p:blipFill>
           <a:blip r:embed="rId2">
-            <a:extLst>
-              <a:ext uri="{28A0092B-C50C-407E-A947-70E740481C1C}">
-                <a14:useLocalDpi xmlns:a14="http://schemas.microsoft.com/office/drawing/2010/main" val="0"/>
-              </a:ext>
-            </a:extLst>
-          </a:blip>
-          <a:stretch>
-            <a:fillRect/>
-          </a:stretch>
-        </p:blipFill>
-        <p:spPr>
-          <a:xfrm>
-            <a:off x="0" y="0"/>
-            <a:ext cx="12192000" cy="6858000"/>
-          </a:xfrm>
-          <a:prstGeom prst="rect">
-            <a:avLst/>
-          </a:prstGeom>
-        </p:spPr>
-      </p:pic>
-      <p:sp>
-        <p:nvSpPr>
-          <p:cNvPr id="8" name="Прямоугольник 7">
-            <a:extLst>
-              <a:ext uri="{FF2B5EF4-FFF2-40B4-BE49-F238E27FC236}">
-                <a16:creationId xmlns:a16="http://schemas.microsoft.com/office/drawing/2014/main" id="{610220F3-2464-48BF-9CC8-F6384E109247}"/>
-              </a:ext>
-            </a:extLst>
-          </p:cNvPr>
-          <p:cNvSpPr/>
-          <p:nvPr/>
-        </p:nvSpPr>
-        <p:spPr>
-          <a:xfrm>
-            <a:off x="9336947" y="4131556"/>
-            <a:ext cx="1325460" cy="347373"/>
-          </a:xfrm>
-          <a:prstGeom prst="rect">
-            <a:avLst/>
-          </a:prstGeom>
-          <a:solidFill>
-            <a:srgbClr val="FBFBFB"/>
-          </a:solidFill>
-          <a:ln>
-            <a:noFill/>
-          </a:ln>
-        </p:spPr>
-        <p:style>
-          <a:lnRef idx="2">
-            <a:schemeClr val="accent1">
-              <a:shade val="50000"/>
-            </a:schemeClr>
-          </a:lnRef>
-          <a:fillRef idx="1">
-            <a:schemeClr val="accent1"/>
-          </a:fillRef>
-          <a:effectRef idx="0">
-            <a:schemeClr val="accent1"/>
-          </a:effectRef>
-          <a:fontRef idx="minor">
-            <a:schemeClr val="lt1"/>
-          </a:fontRef>
-        </p:style>
-        <p:txBody>
-          <a:bodyPr rtlCol="0" anchor="ctr"/>
-          <a:lstStyle/>
-          <a:p>
-            <a:pPr algn="ctr"/>
-            <a:endParaRPr lang="ru-RU"/>
-          </a:p>
-        </p:txBody>
-      </p:sp>
-      <p:pic>
-        <p:nvPicPr>
-          <p:cNvPr id="4" name="Рисунок 3">
-            <a:extLst>
-              <a:ext uri="{FF2B5EF4-FFF2-40B4-BE49-F238E27FC236}">
-                <a16:creationId xmlns:a16="http://schemas.microsoft.com/office/drawing/2014/main" id="{6E037C95-D359-4107-BCCA-AB07DB483958}"/>
-              </a:ext>
-            </a:extLst>
-          </p:cNvPr>
-          <p:cNvPicPr>
-            <a:picLocks noChangeAspect="1"/>
-          </p:cNvPicPr>
-          <p:nvPr/>
-        </p:nvPicPr>
-        <p:blipFill>
-          <a:blip r:embed="rId3">
-            <a:extLst>
-              <a:ext uri="{28A0092B-C50C-407E-A947-70E740481C1C}">
-                <a14:useLocalDpi xmlns:a14="http://schemas.microsoft.com/office/drawing/2010/main" val="0"/>
-              </a:ext>
-            </a:extLst>
-          </a:blip>
-          <a:stretch>
-            <a:fillRect/>
-          </a:stretch>
-        </p:blipFill>
-        <p:spPr>
-          <a:xfrm>
-            <a:off x="6157520" y="3429000"/>
-            <a:ext cx="4259459" cy="347373"/>
-          </a:xfrm>
-          <a:prstGeom prst="rect">
-            <a:avLst/>
-          </a:prstGeom>
-        </p:spPr>
-      </p:pic>
-      <p:pic>
-        <p:nvPicPr>
-          <p:cNvPr id="7" name="Рисунок 6">
-            <a:extLst>
-              <a:ext uri="{FF2B5EF4-FFF2-40B4-BE49-F238E27FC236}">
-                <a16:creationId xmlns:a16="http://schemas.microsoft.com/office/drawing/2014/main" id="{005AD097-C6B1-4744-976B-1112AF2F1748}"/>
-              </a:ext>
-            </a:extLst>
-          </p:cNvPr>
-          <p:cNvPicPr>
-            <a:picLocks noChangeAspect="1"/>
-          </p:cNvPicPr>
-          <p:nvPr/>
-        </p:nvPicPr>
-        <p:blipFill>
-          <a:blip r:embed="rId4">
-            <a:extLst>
-              <a:ext uri="{28A0092B-C50C-407E-A947-70E740481C1C}">
-                <a14:useLocalDpi xmlns:a14="http://schemas.microsoft.com/office/drawing/2010/main" val="0"/>
-              </a:ext>
-            </a:extLst>
-          </a:blip>
-          <a:stretch>
-            <a:fillRect/>
-          </a:stretch>
-        </p:blipFill>
-        <p:spPr>
-          <a:xfrm>
-            <a:off x="6157520" y="4131556"/>
-            <a:ext cx="3516088" cy="347373"/>
-          </a:xfrm>
-          <a:prstGeom prst="rect">
-            <a:avLst/>
-          </a:prstGeom>
-        </p:spPr>
-      </p:pic>
-      <p:pic>
-        <p:nvPicPr>
-          <p:cNvPr id="10" name="Рисунок 9">
-            <a:extLst>
-              <a:ext uri="{FF2B5EF4-FFF2-40B4-BE49-F238E27FC236}">
-                <a16:creationId xmlns:a16="http://schemas.microsoft.com/office/drawing/2014/main" id="{0CA996BC-169C-45EF-92E2-7FCF44567594}"/>
-              </a:ext>
-            </a:extLst>
-          </p:cNvPr>
-          <p:cNvPicPr>
-            <a:picLocks noChangeAspect="1"/>
-          </p:cNvPicPr>
-          <p:nvPr/>
-        </p:nvPicPr>
-        <p:blipFill>
-          <a:blip r:embed="rId5">
             <a:extLst>
               <a:ext uri="{28A0092B-C50C-407E-A947-70E740481C1C}">
                 <a14:useLocalDpi xmlns:a14="http://schemas.microsoft.com/office/drawing/2010/main" val="0"/>
@@ -4076,10 +3983,10 @@
       </p:grpSpPr>
       <p:pic>
         <p:nvPicPr>
-          <p:cNvPr id="3" name="Рисунок 2">
-            <a:extLst>
-              <a:ext uri="{FF2B5EF4-FFF2-40B4-BE49-F238E27FC236}">
-                <a16:creationId xmlns:a16="http://schemas.microsoft.com/office/drawing/2014/main" id="{7B20681D-D938-46BB-AC9D-EF8135C78B1F}"/>
+          <p:cNvPr id="4" name="Рисунок 3">
+            <a:extLst>
+              <a:ext uri="{FF2B5EF4-FFF2-40B4-BE49-F238E27FC236}">
+                <a16:creationId xmlns:a16="http://schemas.microsoft.com/office/drawing/2014/main" id="{0F20EA30-8AA2-46E6-A77C-598E43F1ABF8}"/>
               </a:ext>
             </a:extLst>
           </p:cNvPr>
